--- a/DOCUMENTOS/Apresentaçao TCC.pptx
+++ b/DOCUMENTOS/Apresentaçao TCC.pptx
@@ -16,12 +16,12 @@
     <p:sldId id="286" r:id="rId7"/>
     <p:sldId id="287" r:id="rId8"/>
     <p:sldId id="289" r:id="rId9"/>
-    <p:sldId id="284" r:id="rId10"/>
-    <p:sldId id="279" r:id="rId11"/>
-    <p:sldId id="280" r:id="rId12"/>
-    <p:sldId id="282" r:id="rId13"/>
-    <p:sldId id="290" r:id="rId14"/>
-    <p:sldId id="291" r:id="rId15"/>
+    <p:sldId id="290" r:id="rId10"/>
+    <p:sldId id="291" r:id="rId11"/>
+    <p:sldId id="284" r:id="rId12"/>
+    <p:sldId id="279" r:id="rId13"/>
+    <p:sldId id="280" r:id="rId14"/>
+    <p:sldId id="282" r:id="rId15"/>
     <p:sldId id="292" r:id="rId16"/>
     <p:sldId id="293" r:id="rId17"/>
     <p:sldId id="277" r:id="rId18"/>
@@ -140,12 +140,12 @@
         </p14:section>
         <p14:section name="Seção sem Título" id="{00F9AFED-A767-4599-8ED2-00FC0DC830D0}">
           <p14:sldIdLst>
+            <p14:sldId id="290"/>
+            <p14:sldId id="291"/>
             <p14:sldId id="284"/>
             <p14:sldId id="279"/>
             <p14:sldId id="280"/>
             <p14:sldId id="282"/>
-            <p14:sldId id="290"/>
-            <p14:sldId id="291"/>
             <p14:sldId id="292"/>
             <p14:sldId id="293"/>
             <p14:sldId id="277"/>
@@ -1376,733 +1376,6 @@
       <dsp:cNvGrpSpPr/>
     </dsp:nvGrpSpPr>
     <dsp:grpSpPr/>
-    <dsp:sp modelId="{DCE608B4-7ADA-46CF-993A-9F76491F8F84}">
-      <dsp:nvSpPr>
-        <dsp:cNvPr id="0" name=""/>
-        <dsp:cNvSpPr/>
-      </dsp:nvSpPr>
-      <dsp:spPr>
-        <a:xfrm>
-          <a:off x="3995674" y="1801863"/>
-          <a:ext cx="1283959" cy="1283959"/>
-        </a:xfrm>
-        <a:prstGeom prst="ellipse">
-          <a:avLst/>
-        </a:prstGeom>
-        <a:solidFill>
-          <a:schemeClr val="lt1">
-            <a:hueOff val="0"/>
-            <a:satOff val="0"/>
-            <a:lumOff val="0"/>
-            <a:alphaOff val="0"/>
-          </a:schemeClr>
-        </a:solidFill>
-        <a:ln>
-          <a:noFill/>
-        </a:ln>
-        <a:effectLst>
-          <a:outerShdw blurRad="50800" dist="15240" dir="5400000" algn="tl" rotWithShape="0">
-            <a:srgbClr val="000000">
-              <a:alpha val="75000"/>
-            </a:srgbClr>
-          </a:outerShdw>
-        </a:effectLst>
-        <a:scene3d>
-          <a:camera prst="orthographicFront"/>
-          <a:lightRig rig="flat" dir="t"/>
-        </a:scene3d>
-        <a:sp3d prstMaterial="plastic">
-          <a:bevelT w="120900" h="88900"/>
-          <a:bevelB w="88900" h="31750" prst="angle"/>
-        </a:sp3d>
-      </dsp:spPr>
-      <dsp:style>
-        <a:lnRef idx="0">
-          <a:scrgbClr r="0" g="0" b="0"/>
-        </a:lnRef>
-        <a:fillRef idx="3">
-          <a:scrgbClr r="0" g="0" b="0"/>
-        </a:fillRef>
-        <a:effectRef idx="2">
-          <a:scrgbClr r="0" g="0" b="0"/>
-        </a:effectRef>
-        <a:fontRef idx="minor">
-          <a:schemeClr val="lt1"/>
-        </a:fontRef>
-      </dsp:style>
-      <dsp:txBody>
-        <a:bodyPr spcFirstLastPara="0" vert="horz" wrap="square" lIns="69850" tIns="69850" rIns="69850" bIns="69850" numCol="1" spcCol="1270" anchor="ctr" anchorCtr="0">
-          <a:noAutofit/>
-        </a:bodyPr>
-        <a:lstStyle/>
-        <a:p>
-          <a:pPr lvl="0" algn="ctr" defTabSz="2444750">
-            <a:lnSpc>
-              <a:spcPct val="90000"/>
-            </a:lnSpc>
-            <a:spcBef>
-              <a:spcPct val="0"/>
-            </a:spcBef>
-            <a:spcAft>
-              <a:spcPct val="35000"/>
-            </a:spcAft>
-          </a:pPr>
-          <a:endParaRPr lang="pt-BR" sz="5500" kern="1200" dirty="0"/>
-        </a:p>
-      </dsp:txBody>
-      <dsp:txXfrm>
-        <a:off x="4183705" y="1989894"/>
-        <a:ext cx="907897" cy="907897"/>
-      </dsp:txXfrm>
-    </dsp:sp>
-    <dsp:sp modelId="{79AC5E03-684C-43F5-A59E-35CA7F00B029}">
-      <dsp:nvSpPr>
-        <dsp:cNvPr id="0" name=""/>
-        <dsp:cNvSpPr/>
-      </dsp:nvSpPr>
-      <dsp:spPr>
-        <a:xfrm rot="16200000">
-          <a:off x="4501148" y="1333759"/>
-          <a:ext cx="273010" cy="436546"/>
-        </a:xfrm>
-        <a:prstGeom prst="rightArrow">
-          <a:avLst>
-            <a:gd name="adj1" fmla="val 60000"/>
-            <a:gd name="adj2" fmla="val 50000"/>
-          </a:avLst>
-        </a:prstGeom>
-        <a:solidFill>
-          <a:schemeClr val="accent3">
-            <a:tint val="60000"/>
-            <a:hueOff val="0"/>
-            <a:satOff val="0"/>
-            <a:lumOff val="0"/>
-            <a:alphaOff val="0"/>
-          </a:schemeClr>
-        </a:solidFill>
-        <a:ln>
-          <a:noFill/>
-        </a:ln>
-        <a:effectLst>
-          <a:outerShdw blurRad="50800" dist="15240" dir="5400000" algn="tl" rotWithShape="0">
-            <a:srgbClr val="000000">
-              <a:alpha val="75000"/>
-            </a:srgbClr>
-          </a:outerShdw>
-        </a:effectLst>
-        <a:scene3d>
-          <a:camera prst="orthographicFront"/>
-          <a:lightRig rig="flat" dir="t"/>
-        </a:scene3d>
-        <a:sp3d z="-80000" prstMaterial="plastic">
-          <a:bevelT w="50800" h="50800"/>
-          <a:bevelB w="25400" h="25400" prst="angle"/>
-        </a:sp3d>
-      </dsp:spPr>
-      <dsp:style>
-        <a:lnRef idx="0">
-          <a:scrgbClr r="0" g="0" b="0"/>
-        </a:lnRef>
-        <a:fillRef idx="3">
-          <a:scrgbClr r="0" g="0" b="0"/>
-        </a:fillRef>
-        <a:effectRef idx="2">
-          <a:scrgbClr r="0" g="0" b="0"/>
-        </a:effectRef>
-        <a:fontRef idx="minor">
-          <a:schemeClr val="lt1"/>
-        </a:fontRef>
-      </dsp:style>
-      <dsp:txBody>
-        <a:bodyPr spcFirstLastPara="0" vert="horz" wrap="square" lIns="0" tIns="0" rIns="0" bIns="0" numCol="1" spcCol="1270" anchor="ctr" anchorCtr="0">
-          <a:noAutofit/>
-        </a:bodyPr>
-        <a:lstStyle/>
-        <a:p>
-          <a:pPr lvl="0" algn="ctr" defTabSz="844550">
-            <a:lnSpc>
-              <a:spcPct val="90000"/>
-            </a:lnSpc>
-            <a:spcBef>
-              <a:spcPct val="0"/>
-            </a:spcBef>
-            <a:spcAft>
-              <a:spcPct val="35000"/>
-            </a:spcAft>
-          </a:pPr>
-          <a:endParaRPr lang="pt-BR" sz="1900" kern="1200"/>
-        </a:p>
-      </dsp:txBody>
-      <dsp:txXfrm>
-        <a:off x="4542100" y="1462020"/>
-        <a:ext cx="191107" cy="261928"/>
-      </dsp:txXfrm>
-    </dsp:sp>
-    <dsp:sp modelId="{3840ECFA-DDD0-4F7C-83C4-9F708814D074}">
-      <dsp:nvSpPr>
-        <dsp:cNvPr id="0" name=""/>
-        <dsp:cNvSpPr/>
-      </dsp:nvSpPr>
-      <dsp:spPr>
-        <a:xfrm>
-          <a:off x="3995674" y="2789"/>
-          <a:ext cx="1283959" cy="1283959"/>
-        </a:xfrm>
-        <a:prstGeom prst="ellipse">
-          <a:avLst/>
-        </a:prstGeom>
-        <a:solidFill>
-          <a:schemeClr val="lt1">
-            <a:hueOff val="0"/>
-            <a:satOff val="0"/>
-            <a:lumOff val="0"/>
-            <a:alphaOff val="0"/>
-          </a:schemeClr>
-        </a:solidFill>
-        <a:ln>
-          <a:noFill/>
-        </a:ln>
-        <a:effectLst>
-          <a:outerShdw blurRad="50800" dist="15240" dir="5400000" algn="tl" rotWithShape="0">
-            <a:srgbClr val="000000">
-              <a:alpha val="75000"/>
-            </a:srgbClr>
-          </a:outerShdw>
-        </a:effectLst>
-        <a:scene3d>
-          <a:camera prst="orthographicFront"/>
-          <a:lightRig rig="flat" dir="t"/>
-        </a:scene3d>
-        <a:sp3d prstMaterial="plastic">
-          <a:bevelT w="120900" h="88900"/>
-          <a:bevelB w="88900" h="31750" prst="angle"/>
-        </a:sp3d>
-      </dsp:spPr>
-      <dsp:style>
-        <a:lnRef idx="0">
-          <a:scrgbClr r="0" g="0" b="0"/>
-        </a:lnRef>
-        <a:fillRef idx="3">
-          <a:scrgbClr r="0" g="0" b="0"/>
-        </a:fillRef>
-        <a:effectRef idx="2">
-          <a:scrgbClr r="0" g="0" b="0"/>
-        </a:effectRef>
-        <a:fontRef idx="minor">
-          <a:schemeClr val="lt1"/>
-        </a:fontRef>
-      </dsp:style>
-      <dsp:txBody>
-        <a:bodyPr spcFirstLastPara="0" vert="horz" wrap="square" lIns="25400" tIns="25400" rIns="25400" bIns="25400" numCol="1" spcCol="1270" anchor="ctr" anchorCtr="0">
-          <a:noAutofit/>
-        </a:bodyPr>
-        <a:lstStyle/>
-        <a:p>
-          <a:pPr lvl="0" algn="ctr" defTabSz="889000">
-            <a:lnSpc>
-              <a:spcPct val="90000"/>
-            </a:lnSpc>
-            <a:spcBef>
-              <a:spcPct val="0"/>
-            </a:spcBef>
-            <a:spcAft>
-              <a:spcPct val="35000"/>
-            </a:spcAft>
-          </a:pPr>
-          <a:endParaRPr lang="pt-BR" sz="2000" kern="1200"/>
-        </a:p>
-      </dsp:txBody>
-      <dsp:txXfrm>
-        <a:off x="4183705" y="190820"/>
-        <a:ext cx="907897" cy="907897"/>
-      </dsp:txXfrm>
-    </dsp:sp>
-    <dsp:sp modelId="{3C9E16A7-01F9-481B-9651-6B07D3757B9D}">
-      <dsp:nvSpPr>
-        <dsp:cNvPr id="0" name=""/>
-        <dsp:cNvSpPr/>
-      </dsp:nvSpPr>
-      <dsp:spPr>
-        <a:xfrm>
-          <a:off x="5392958" y="2225569"/>
-          <a:ext cx="273010" cy="436546"/>
-        </a:xfrm>
-        <a:prstGeom prst="rightArrow">
-          <a:avLst>
-            <a:gd name="adj1" fmla="val 60000"/>
-            <a:gd name="adj2" fmla="val 50000"/>
-          </a:avLst>
-        </a:prstGeom>
-        <a:solidFill>
-          <a:schemeClr val="accent3">
-            <a:tint val="60000"/>
-            <a:hueOff val="0"/>
-            <a:satOff val="0"/>
-            <a:lumOff val="0"/>
-            <a:alphaOff val="0"/>
-          </a:schemeClr>
-        </a:solidFill>
-        <a:ln>
-          <a:noFill/>
-        </a:ln>
-        <a:effectLst>
-          <a:outerShdw blurRad="50800" dist="15240" dir="5400000" algn="tl" rotWithShape="0">
-            <a:srgbClr val="000000">
-              <a:alpha val="75000"/>
-            </a:srgbClr>
-          </a:outerShdw>
-        </a:effectLst>
-        <a:scene3d>
-          <a:camera prst="orthographicFront"/>
-          <a:lightRig rig="flat" dir="t"/>
-        </a:scene3d>
-        <a:sp3d z="-80000" prstMaterial="plastic">
-          <a:bevelT w="50800" h="50800"/>
-          <a:bevelB w="25400" h="25400" prst="angle"/>
-        </a:sp3d>
-      </dsp:spPr>
-      <dsp:style>
-        <a:lnRef idx="0">
-          <a:scrgbClr r="0" g="0" b="0"/>
-        </a:lnRef>
-        <a:fillRef idx="3">
-          <a:scrgbClr r="0" g="0" b="0"/>
-        </a:fillRef>
-        <a:effectRef idx="2">
-          <a:scrgbClr r="0" g="0" b="0"/>
-        </a:effectRef>
-        <a:fontRef idx="minor">
-          <a:schemeClr val="lt1"/>
-        </a:fontRef>
-      </dsp:style>
-      <dsp:txBody>
-        <a:bodyPr spcFirstLastPara="0" vert="horz" wrap="square" lIns="0" tIns="0" rIns="0" bIns="0" numCol="1" spcCol="1270" anchor="ctr" anchorCtr="0">
-          <a:noAutofit/>
-        </a:bodyPr>
-        <a:lstStyle/>
-        <a:p>
-          <a:pPr lvl="0" algn="ctr" defTabSz="844550">
-            <a:lnSpc>
-              <a:spcPct val="90000"/>
-            </a:lnSpc>
-            <a:spcBef>
-              <a:spcPct val="0"/>
-            </a:spcBef>
-            <a:spcAft>
-              <a:spcPct val="35000"/>
-            </a:spcAft>
-          </a:pPr>
-          <a:endParaRPr lang="pt-BR" sz="1900" kern="1200"/>
-        </a:p>
-      </dsp:txBody>
-      <dsp:txXfrm>
-        <a:off x="5392958" y="2312878"/>
-        <a:ext cx="191107" cy="261928"/>
-      </dsp:txXfrm>
-    </dsp:sp>
-    <dsp:sp modelId="{1FF552EC-F3C9-4D11-942B-3A2923647A8A}">
-      <dsp:nvSpPr>
-        <dsp:cNvPr id="0" name=""/>
-        <dsp:cNvSpPr/>
-      </dsp:nvSpPr>
-      <dsp:spPr>
-        <a:xfrm>
-          <a:off x="5794747" y="1801863"/>
-          <a:ext cx="1283959" cy="1283959"/>
-        </a:xfrm>
-        <a:prstGeom prst="ellipse">
-          <a:avLst/>
-        </a:prstGeom>
-        <a:solidFill>
-          <a:schemeClr val="lt1">
-            <a:hueOff val="0"/>
-            <a:satOff val="0"/>
-            <a:lumOff val="0"/>
-            <a:alphaOff val="0"/>
-          </a:schemeClr>
-        </a:solidFill>
-        <a:ln>
-          <a:noFill/>
-        </a:ln>
-        <a:effectLst>
-          <a:outerShdw blurRad="50800" dist="15240" dir="5400000" algn="tl" rotWithShape="0">
-            <a:srgbClr val="000000">
-              <a:alpha val="75000"/>
-            </a:srgbClr>
-          </a:outerShdw>
-        </a:effectLst>
-        <a:scene3d>
-          <a:camera prst="orthographicFront"/>
-          <a:lightRig rig="flat" dir="t"/>
-        </a:scene3d>
-        <a:sp3d prstMaterial="plastic">
-          <a:bevelT w="120900" h="88900"/>
-          <a:bevelB w="88900" h="31750" prst="angle"/>
-        </a:sp3d>
-      </dsp:spPr>
-      <dsp:style>
-        <a:lnRef idx="0">
-          <a:scrgbClr r="0" g="0" b="0"/>
-        </a:lnRef>
-        <a:fillRef idx="3">
-          <a:scrgbClr r="0" g="0" b="0"/>
-        </a:fillRef>
-        <a:effectRef idx="2">
-          <a:scrgbClr r="0" g="0" b="0"/>
-        </a:effectRef>
-        <a:fontRef idx="minor">
-          <a:schemeClr val="lt1"/>
-        </a:fontRef>
-      </dsp:style>
-      <dsp:txBody>
-        <a:bodyPr spcFirstLastPara="0" vert="horz" wrap="square" lIns="25400" tIns="25400" rIns="25400" bIns="25400" numCol="1" spcCol="1270" anchor="ctr" anchorCtr="0">
-          <a:noAutofit/>
-        </a:bodyPr>
-        <a:lstStyle/>
-        <a:p>
-          <a:pPr lvl="0" algn="ctr" defTabSz="889000">
-            <a:lnSpc>
-              <a:spcPct val="90000"/>
-            </a:lnSpc>
-            <a:spcBef>
-              <a:spcPct val="0"/>
-            </a:spcBef>
-            <a:spcAft>
-              <a:spcPct val="35000"/>
-            </a:spcAft>
-          </a:pPr>
-          <a:endParaRPr lang="pt-BR" sz="2000" kern="1200"/>
-        </a:p>
-      </dsp:txBody>
-      <dsp:txXfrm>
-        <a:off x="5982778" y="1989894"/>
-        <a:ext cx="907897" cy="907897"/>
-      </dsp:txXfrm>
-    </dsp:sp>
-    <dsp:sp modelId="{B697D30C-2A44-4D3A-84EF-6C5CEF25E0D7}">
-      <dsp:nvSpPr>
-        <dsp:cNvPr id="0" name=""/>
-        <dsp:cNvSpPr/>
-      </dsp:nvSpPr>
-      <dsp:spPr>
-        <a:xfrm rot="5400000">
-          <a:off x="4501148" y="3117379"/>
-          <a:ext cx="273010" cy="436546"/>
-        </a:xfrm>
-        <a:prstGeom prst="rightArrow">
-          <a:avLst>
-            <a:gd name="adj1" fmla="val 60000"/>
-            <a:gd name="adj2" fmla="val 50000"/>
-          </a:avLst>
-        </a:prstGeom>
-        <a:solidFill>
-          <a:schemeClr val="accent3">
-            <a:tint val="60000"/>
-            <a:hueOff val="0"/>
-            <a:satOff val="0"/>
-            <a:lumOff val="0"/>
-            <a:alphaOff val="0"/>
-          </a:schemeClr>
-        </a:solidFill>
-        <a:ln>
-          <a:noFill/>
-        </a:ln>
-        <a:effectLst>
-          <a:outerShdw blurRad="50800" dist="15240" dir="5400000" algn="tl" rotWithShape="0">
-            <a:srgbClr val="000000">
-              <a:alpha val="75000"/>
-            </a:srgbClr>
-          </a:outerShdw>
-        </a:effectLst>
-        <a:scene3d>
-          <a:camera prst="orthographicFront"/>
-          <a:lightRig rig="flat" dir="t"/>
-        </a:scene3d>
-        <a:sp3d z="-80000" prstMaterial="plastic">
-          <a:bevelT w="50800" h="50800"/>
-          <a:bevelB w="25400" h="25400" prst="angle"/>
-        </a:sp3d>
-      </dsp:spPr>
-      <dsp:style>
-        <a:lnRef idx="0">
-          <a:scrgbClr r="0" g="0" b="0"/>
-        </a:lnRef>
-        <a:fillRef idx="3">
-          <a:scrgbClr r="0" g="0" b="0"/>
-        </a:fillRef>
-        <a:effectRef idx="2">
-          <a:scrgbClr r="0" g="0" b="0"/>
-        </a:effectRef>
-        <a:fontRef idx="minor">
-          <a:schemeClr val="lt1"/>
-        </a:fontRef>
-      </dsp:style>
-      <dsp:txBody>
-        <a:bodyPr spcFirstLastPara="0" vert="horz" wrap="square" lIns="0" tIns="0" rIns="0" bIns="0" numCol="1" spcCol="1270" anchor="ctr" anchorCtr="0">
-          <a:noAutofit/>
-        </a:bodyPr>
-        <a:lstStyle/>
-        <a:p>
-          <a:pPr lvl="0" algn="ctr" defTabSz="844550">
-            <a:lnSpc>
-              <a:spcPct val="90000"/>
-            </a:lnSpc>
-            <a:spcBef>
-              <a:spcPct val="0"/>
-            </a:spcBef>
-            <a:spcAft>
-              <a:spcPct val="35000"/>
-            </a:spcAft>
-          </a:pPr>
-          <a:endParaRPr lang="pt-BR" sz="1900" kern="1200"/>
-        </a:p>
-      </dsp:txBody>
-      <dsp:txXfrm>
-        <a:off x="4542100" y="3163737"/>
-        <a:ext cx="191107" cy="261928"/>
-      </dsp:txXfrm>
-    </dsp:sp>
-    <dsp:sp modelId="{AC541C0E-F73D-4D12-BCAB-045A0C4860C0}">
-      <dsp:nvSpPr>
-        <dsp:cNvPr id="0" name=""/>
-        <dsp:cNvSpPr/>
-      </dsp:nvSpPr>
-      <dsp:spPr>
-        <a:xfrm>
-          <a:off x="3995674" y="3600936"/>
-          <a:ext cx="1283959" cy="1283959"/>
-        </a:xfrm>
-        <a:prstGeom prst="ellipse">
-          <a:avLst/>
-        </a:prstGeom>
-        <a:solidFill>
-          <a:schemeClr val="lt1">
-            <a:hueOff val="0"/>
-            <a:satOff val="0"/>
-            <a:lumOff val="0"/>
-            <a:alphaOff val="0"/>
-          </a:schemeClr>
-        </a:solidFill>
-        <a:ln>
-          <a:noFill/>
-        </a:ln>
-        <a:effectLst>
-          <a:outerShdw blurRad="50800" dist="15240" dir="5400000" algn="tl" rotWithShape="0">
-            <a:srgbClr val="000000">
-              <a:alpha val="75000"/>
-            </a:srgbClr>
-          </a:outerShdw>
-        </a:effectLst>
-        <a:scene3d>
-          <a:camera prst="orthographicFront"/>
-          <a:lightRig rig="flat" dir="t"/>
-        </a:scene3d>
-        <a:sp3d prstMaterial="plastic">
-          <a:bevelT w="120900" h="88900"/>
-          <a:bevelB w="88900" h="31750" prst="angle"/>
-        </a:sp3d>
-      </dsp:spPr>
-      <dsp:style>
-        <a:lnRef idx="0">
-          <a:scrgbClr r="0" g="0" b="0"/>
-        </a:lnRef>
-        <a:fillRef idx="3">
-          <a:scrgbClr r="0" g="0" b="0"/>
-        </a:fillRef>
-        <a:effectRef idx="2">
-          <a:scrgbClr r="0" g="0" b="0"/>
-        </a:effectRef>
-        <a:fontRef idx="minor">
-          <a:schemeClr val="lt1"/>
-        </a:fontRef>
-      </dsp:style>
-      <dsp:txBody>
-        <a:bodyPr spcFirstLastPara="0" vert="horz" wrap="square" lIns="25400" tIns="25400" rIns="25400" bIns="25400" numCol="1" spcCol="1270" anchor="ctr" anchorCtr="0">
-          <a:noAutofit/>
-        </a:bodyPr>
-        <a:lstStyle/>
-        <a:p>
-          <a:pPr lvl="0" algn="ctr" defTabSz="889000">
-            <a:lnSpc>
-              <a:spcPct val="90000"/>
-            </a:lnSpc>
-            <a:spcBef>
-              <a:spcPct val="0"/>
-            </a:spcBef>
-            <a:spcAft>
-              <a:spcPct val="35000"/>
-            </a:spcAft>
-          </a:pPr>
-          <a:endParaRPr lang="pt-BR" sz="2000" kern="1200"/>
-        </a:p>
-      </dsp:txBody>
-      <dsp:txXfrm>
-        <a:off x="4183705" y="3788967"/>
-        <a:ext cx="907897" cy="907897"/>
-      </dsp:txXfrm>
-    </dsp:sp>
-    <dsp:sp modelId="{8377BC0E-1C0C-498F-9712-02AB3BCCC940}">
-      <dsp:nvSpPr>
-        <dsp:cNvPr id="0" name=""/>
-        <dsp:cNvSpPr/>
-      </dsp:nvSpPr>
-      <dsp:spPr>
-        <a:xfrm rot="10800000">
-          <a:off x="3609338" y="2225569"/>
-          <a:ext cx="273010" cy="436546"/>
-        </a:xfrm>
-        <a:prstGeom prst="rightArrow">
-          <a:avLst>
-            <a:gd name="adj1" fmla="val 60000"/>
-            <a:gd name="adj2" fmla="val 50000"/>
-          </a:avLst>
-        </a:prstGeom>
-        <a:solidFill>
-          <a:schemeClr val="accent3">
-            <a:tint val="60000"/>
-            <a:hueOff val="0"/>
-            <a:satOff val="0"/>
-            <a:lumOff val="0"/>
-            <a:alphaOff val="0"/>
-          </a:schemeClr>
-        </a:solidFill>
-        <a:ln>
-          <a:noFill/>
-        </a:ln>
-        <a:effectLst>
-          <a:outerShdw blurRad="50800" dist="15240" dir="5400000" algn="tl" rotWithShape="0">
-            <a:srgbClr val="000000">
-              <a:alpha val="75000"/>
-            </a:srgbClr>
-          </a:outerShdw>
-        </a:effectLst>
-        <a:scene3d>
-          <a:camera prst="orthographicFront"/>
-          <a:lightRig rig="flat" dir="t"/>
-        </a:scene3d>
-        <a:sp3d z="-80000" prstMaterial="plastic">
-          <a:bevelT w="50800" h="50800"/>
-          <a:bevelB w="25400" h="25400" prst="angle"/>
-        </a:sp3d>
-      </dsp:spPr>
-      <dsp:style>
-        <a:lnRef idx="0">
-          <a:scrgbClr r="0" g="0" b="0"/>
-        </a:lnRef>
-        <a:fillRef idx="3">
-          <a:scrgbClr r="0" g="0" b="0"/>
-        </a:fillRef>
-        <a:effectRef idx="2">
-          <a:scrgbClr r="0" g="0" b="0"/>
-        </a:effectRef>
-        <a:fontRef idx="minor">
-          <a:schemeClr val="lt1"/>
-        </a:fontRef>
-      </dsp:style>
-      <dsp:txBody>
-        <a:bodyPr spcFirstLastPara="0" vert="horz" wrap="square" lIns="0" tIns="0" rIns="0" bIns="0" numCol="1" spcCol="1270" anchor="ctr" anchorCtr="0">
-          <a:noAutofit/>
-        </a:bodyPr>
-        <a:lstStyle/>
-        <a:p>
-          <a:pPr lvl="0" algn="ctr" defTabSz="844550">
-            <a:lnSpc>
-              <a:spcPct val="90000"/>
-            </a:lnSpc>
-            <a:spcBef>
-              <a:spcPct val="0"/>
-            </a:spcBef>
-            <a:spcAft>
-              <a:spcPct val="35000"/>
-            </a:spcAft>
-          </a:pPr>
-          <a:endParaRPr lang="pt-BR" sz="1900" kern="1200"/>
-        </a:p>
-      </dsp:txBody>
-      <dsp:txXfrm rot="10800000">
-        <a:off x="3691241" y="2312878"/>
-        <a:ext cx="191107" cy="261928"/>
-      </dsp:txXfrm>
-    </dsp:sp>
-    <dsp:sp modelId="{1008649E-5F85-4981-8EBD-188EBDCF1BE3}">
-      <dsp:nvSpPr>
-        <dsp:cNvPr id="0" name=""/>
-        <dsp:cNvSpPr/>
-      </dsp:nvSpPr>
-      <dsp:spPr>
-        <a:xfrm>
-          <a:off x="2196600" y="1801863"/>
-          <a:ext cx="1283959" cy="1283959"/>
-        </a:xfrm>
-        <a:prstGeom prst="ellipse">
-          <a:avLst/>
-        </a:prstGeom>
-        <a:solidFill>
-          <a:schemeClr val="lt1">
-            <a:hueOff val="0"/>
-            <a:satOff val="0"/>
-            <a:lumOff val="0"/>
-            <a:alphaOff val="0"/>
-          </a:schemeClr>
-        </a:solidFill>
-        <a:ln>
-          <a:noFill/>
-        </a:ln>
-        <a:effectLst>
-          <a:outerShdw blurRad="50800" dist="15240" dir="5400000" algn="tl" rotWithShape="0">
-            <a:srgbClr val="000000">
-              <a:alpha val="75000"/>
-            </a:srgbClr>
-          </a:outerShdw>
-        </a:effectLst>
-        <a:scene3d>
-          <a:camera prst="orthographicFront"/>
-          <a:lightRig rig="flat" dir="t"/>
-        </a:scene3d>
-        <a:sp3d prstMaterial="plastic">
-          <a:bevelT w="120900" h="88900"/>
-          <a:bevelB w="88900" h="31750" prst="angle"/>
-        </a:sp3d>
-      </dsp:spPr>
-      <dsp:style>
-        <a:lnRef idx="0">
-          <a:scrgbClr r="0" g="0" b="0"/>
-        </a:lnRef>
-        <a:fillRef idx="3">
-          <a:scrgbClr r="0" g="0" b="0"/>
-        </a:fillRef>
-        <a:effectRef idx="2">
-          <a:scrgbClr r="0" g="0" b="0"/>
-        </a:effectRef>
-        <a:fontRef idx="minor">
-          <a:schemeClr val="lt1"/>
-        </a:fontRef>
-      </dsp:style>
-      <dsp:txBody>
-        <a:bodyPr spcFirstLastPara="0" vert="horz" wrap="square" lIns="25400" tIns="25400" rIns="25400" bIns="25400" numCol="1" spcCol="1270" anchor="ctr" anchorCtr="0">
-          <a:noAutofit/>
-        </a:bodyPr>
-        <a:lstStyle/>
-        <a:p>
-          <a:pPr lvl="0" algn="ctr" defTabSz="889000">
-            <a:lnSpc>
-              <a:spcPct val="90000"/>
-            </a:lnSpc>
-            <a:spcBef>
-              <a:spcPct val="0"/>
-            </a:spcBef>
-            <a:spcAft>
-              <a:spcPct val="35000"/>
-            </a:spcAft>
-          </a:pPr>
-          <a:endParaRPr lang="pt-BR" sz="2000" kern="1200" dirty="0"/>
-        </a:p>
-      </dsp:txBody>
-      <dsp:txXfrm>
-        <a:off x="2384631" y="1989894"/>
-        <a:ext cx="907897" cy="907897"/>
-      </dsp:txXfrm>
-    </dsp:sp>
   </dsp:spTree>
 </dsp:drawing>
 </file>
@@ -4397,7 +3670,7 @@
           <a:p>
             <a:fld id="{F43E84B6-0EDA-41EE-A5BC-F84BFC00071F}" type="slidenum">
               <a:rPr lang="pt-BR" smtClean="0"/>
-              <a:t>14</a:t>
+              <a:t>10</a:t>
             </a:fld>
             <a:endParaRPr lang="pt-BR"/>
           </a:p>
@@ -7890,8 +7163,8 @@
         </p:nvSpPr>
         <p:spPr>
           <a:xfrm>
-            <a:off x="3158836" y="-27714"/>
-            <a:ext cx="9185563" cy="1149932"/>
+            <a:off x="3186546" y="-27714"/>
+            <a:ext cx="9157854" cy="1142139"/>
           </a:xfrm>
           <a:prstGeom prst="rect">
             <a:avLst/>
@@ -7939,8 +7212,8 @@
         </p:nvSpPr>
         <p:spPr>
           <a:xfrm>
-            <a:off x="1773382" y="1981200"/>
-            <a:ext cx="8236250" cy="4351337"/>
+            <a:off x="1745672" y="1981200"/>
+            <a:ext cx="8263959" cy="4351337"/>
           </a:xfrm>
           <a:prstGeom prst="rect">
             <a:avLst/>
@@ -8196,7 +7469,7 @@
           <a:p>
             <a:r>
               <a:rPr lang="pt-BR" sz="3600" b="1" dirty="0" smtClean="0"/>
-              <a:t>Display touchscreen </a:t>
+              <a:t>Aplicativo Local Móvel</a:t>
             </a:r>
             <a:endParaRPr lang="pt-BR" sz="3600" b="1" dirty="0"/>
           </a:p>
@@ -8204,7 +7477,7 @@
       </p:sp>
       <p:sp>
         <p:nvSpPr>
-          <p:cNvPr id="10" name="CaixaDeTexto 9"/>
+          <p:cNvPr id="8" name="CaixaDeTexto 7"/>
           <p:cNvSpPr txBox="1"/>
           <p:nvPr/>
         </p:nvSpPr>
@@ -8226,44 +7499,16 @@
           <a:p>
             <a:r>
               <a:rPr lang="pt-BR" dirty="0" smtClean="0"/>
-              <a:t>Colocar </a:t>
-            </a:r>
-            <a:r>
-              <a:rPr lang="pt-BR" dirty="0" err="1" smtClean="0"/>
-              <a:t>video</a:t>
+              <a:t>Colocar vídeo</a:t>
             </a:r>
             <a:endParaRPr lang="pt-BR" dirty="0"/>
           </a:p>
         </p:txBody>
       </p:sp>
-      <p:pic>
-        <p:nvPicPr>
-          <p:cNvPr id="7" name="Imagem 6"/>
-          <p:cNvPicPr>
-            <a:picLocks noChangeAspect="1"/>
-          </p:cNvPicPr>
-          <p:nvPr/>
-        </p:nvPicPr>
-        <p:blipFill>
-          <a:blip r:embed="rId2"/>
-          <a:stretch>
-            <a:fillRect/>
-          </a:stretch>
-        </p:blipFill>
-        <p:spPr>
-          <a:xfrm>
-            <a:off x="1226127" y="2521597"/>
-            <a:ext cx="5562600" cy="4248150"/>
-          </a:xfrm>
-          <a:prstGeom prst="rect">
-            <a:avLst/>
-          </a:prstGeom>
-        </p:spPr>
-      </p:pic>
     </p:spTree>
     <p:extLst>
       <p:ext uri="{BB962C8B-B14F-4D97-AF65-F5344CB8AC3E}">
-        <p14:creationId xmlns:p14="http://schemas.microsoft.com/office/powerpoint/2010/main" val="258842998"/>
+        <p14:creationId xmlns:p14="http://schemas.microsoft.com/office/powerpoint/2010/main" val="1426057446"/>
       </p:ext>
     </p:extLst>
   </p:cSld>
@@ -8307,8 +7552,8 @@
         </p:nvSpPr>
         <p:spPr>
           <a:xfrm>
-            <a:off x="3158836" y="-27714"/>
-            <a:ext cx="9185564" cy="1213577"/>
+            <a:off x="3200400" y="-27714"/>
+            <a:ext cx="9143999" cy="1094514"/>
           </a:xfrm>
           <a:prstGeom prst="rect">
             <a:avLst/>
@@ -8356,8 +7601,8 @@
         </p:nvSpPr>
         <p:spPr>
           <a:xfrm>
-            <a:off x="1828800" y="1981200"/>
-            <a:ext cx="8180832" cy="4351337"/>
+            <a:off x="1940744" y="1935571"/>
+            <a:ext cx="8595360" cy="4351337"/>
           </a:xfrm>
           <a:prstGeom prst="rect">
             <a:avLst/>
@@ -8613,7 +7858,7 @@
           <a:p>
             <a:r>
               <a:rPr lang="pt-BR" sz="3600" b="1" dirty="0" smtClean="0"/>
-              <a:t>Comunicação com Alto falante</a:t>
+              <a:t>Comando de Voz</a:t>
             </a:r>
             <a:endParaRPr lang="pt-BR" sz="3600" b="1" dirty="0"/>
           </a:p>
@@ -8621,13 +7866,13 @@
       </p:sp>
       <p:sp>
         <p:nvSpPr>
-          <p:cNvPr id="8" name="CaixaDeTexto 7"/>
+          <p:cNvPr id="7" name="CaixaDeTexto 6"/>
           <p:cNvSpPr txBox="1"/>
           <p:nvPr/>
         </p:nvSpPr>
         <p:spPr>
           <a:xfrm>
-            <a:off x="7218218" y="2826327"/>
+            <a:off x="7072469" y="2784763"/>
             <a:ext cx="2008909" cy="369332"/>
           </a:xfrm>
           <a:prstGeom prst="rect">
@@ -8642,7 +7887,7 @@
           <a:lstStyle/>
           <a:p>
             <a:r>
-              <a:rPr lang="pt-BR" smtClean="0"/>
+              <a:rPr lang="pt-BR" dirty="0" smtClean="0"/>
               <a:t>Colocar </a:t>
             </a:r>
             <a:r>
@@ -8653,10 +7898,47 @@
           </a:p>
         </p:txBody>
       </p:sp>
+      <p:pic>
+        <p:nvPicPr>
+          <p:cNvPr id="8" name="Espaço Reservado para Conteúdo 7" descr="http://www.elechouse.com/elechouse/images/product/VR3/VR3-3.jpg"/>
+          <p:cNvPicPr>
+            <a:picLocks noGrp="1"/>
+          </p:cNvPicPr>
+          <p:nvPr>
+            <p:ph idx="1"/>
+          </p:nvPr>
+        </p:nvPicPr>
+        <p:blipFill>
+          <a:blip r:embed="rId2">
+            <a:extLst>
+              <a:ext uri="{28A0092B-C50C-407E-A947-70E740481C1C}">
+                <a14:useLocalDpi xmlns:a14="http://schemas.microsoft.com/office/drawing/2010/main" val="0"/>
+              </a:ext>
+            </a:extLst>
+          </a:blip>
+          <a:srcRect/>
+          <a:stretch>
+            <a:fillRect/>
+          </a:stretch>
+        </p:blipFill>
+        <p:spPr bwMode="auto">
+          <a:xfrm>
+            <a:off x="1648690" y="3667665"/>
+            <a:ext cx="6470073" cy="2289790"/>
+          </a:xfrm>
+          <a:prstGeom prst="rect">
+            <a:avLst/>
+          </a:prstGeom>
+          <a:noFill/>
+          <a:ln>
+            <a:noFill/>
+          </a:ln>
+        </p:spPr>
+      </p:pic>
     </p:spTree>
     <p:extLst>
       <p:ext uri="{BB962C8B-B14F-4D97-AF65-F5344CB8AC3E}">
-        <p14:creationId xmlns:p14="http://schemas.microsoft.com/office/powerpoint/2010/main" val="2533336195"/>
+        <p14:creationId xmlns:p14="http://schemas.microsoft.com/office/powerpoint/2010/main" val="1296667260"/>
       </p:ext>
     </p:extLst>
   </p:cSld>
@@ -8700,8 +7982,8 @@
         </p:nvSpPr>
         <p:spPr>
           <a:xfrm>
-            <a:off x="3186546" y="-27714"/>
-            <a:ext cx="9157854" cy="1142139"/>
+            <a:off x="3158836" y="-27714"/>
+            <a:ext cx="9185563" cy="1149932"/>
           </a:xfrm>
           <a:prstGeom prst="rect">
             <a:avLst/>
@@ -8749,8 +8031,8 @@
         </p:nvSpPr>
         <p:spPr>
           <a:xfrm>
-            <a:off x="1745672" y="1981200"/>
-            <a:ext cx="8263959" cy="4351337"/>
+            <a:off x="1773382" y="1981200"/>
+            <a:ext cx="8236250" cy="4351337"/>
           </a:xfrm>
           <a:prstGeom prst="rect">
             <a:avLst/>
@@ -9006,7 +8288,7 @@
           <a:p>
             <a:r>
               <a:rPr lang="pt-BR" sz="3600" b="1" dirty="0" smtClean="0"/>
-              <a:t>Botões em Braile</a:t>
+              <a:t>Display touchscreen </a:t>
             </a:r>
             <a:endParaRPr lang="pt-BR" sz="3600" b="1" dirty="0"/>
           </a:p>
@@ -9014,14 +8296,14 @@
       </p:sp>
       <p:sp>
         <p:nvSpPr>
-          <p:cNvPr id="8" name="CaixaDeTexto 7"/>
+          <p:cNvPr id="10" name="CaixaDeTexto 9"/>
           <p:cNvSpPr txBox="1"/>
           <p:nvPr/>
         </p:nvSpPr>
         <p:spPr>
           <a:xfrm>
             <a:off x="7218218" y="2826327"/>
-            <a:ext cx="2008909" cy="646331"/>
+            <a:ext cx="2008909" cy="369332"/>
           </a:xfrm>
           <a:prstGeom prst="rect">
             <a:avLst/>
@@ -9039,21 +8321,41 @@
               <a:t>Colocar </a:t>
             </a:r>
             <a:r>
-              <a:rPr lang="pt-BR" dirty="0" smtClean="0"/>
-              <a:t>vídeo/</a:t>
-            </a:r>
-            <a:r>
               <a:rPr lang="pt-BR" dirty="0" err="1" smtClean="0"/>
-              <a:t>botao</a:t>
+              <a:t>video</a:t>
             </a:r>
             <a:endParaRPr lang="pt-BR" dirty="0"/>
           </a:p>
         </p:txBody>
       </p:sp>
+      <p:pic>
+        <p:nvPicPr>
+          <p:cNvPr id="7" name="Imagem 6"/>
+          <p:cNvPicPr>
+            <a:picLocks noChangeAspect="1"/>
+          </p:cNvPicPr>
+          <p:nvPr/>
+        </p:nvPicPr>
+        <p:blipFill>
+          <a:blip r:embed="rId2"/>
+          <a:stretch>
+            <a:fillRect/>
+          </a:stretch>
+        </p:blipFill>
+        <p:spPr>
+          <a:xfrm>
+            <a:off x="1226127" y="2521597"/>
+            <a:ext cx="5562600" cy="4248150"/>
+          </a:xfrm>
+          <a:prstGeom prst="rect">
+            <a:avLst/>
+          </a:prstGeom>
+        </p:spPr>
+      </p:pic>
     </p:spTree>
     <p:extLst>
       <p:ext uri="{BB962C8B-B14F-4D97-AF65-F5344CB8AC3E}">
-        <p14:creationId xmlns:p14="http://schemas.microsoft.com/office/powerpoint/2010/main" val="1251762218"/>
+        <p14:creationId xmlns:p14="http://schemas.microsoft.com/office/powerpoint/2010/main" val="258842998"/>
       </p:ext>
     </p:extLst>
   </p:cSld>
@@ -9097,8 +8399,8 @@
         </p:nvSpPr>
         <p:spPr>
           <a:xfrm>
-            <a:off x="3186546" y="-27714"/>
-            <a:ext cx="9157854" cy="1142139"/>
+            <a:off x="3158836" y="-27714"/>
+            <a:ext cx="9185564" cy="1213577"/>
           </a:xfrm>
           <a:prstGeom prst="rect">
             <a:avLst/>
@@ -9146,8 +8448,8 @@
         </p:nvSpPr>
         <p:spPr>
           <a:xfrm>
-            <a:off x="1745672" y="1981200"/>
-            <a:ext cx="8263959" cy="4351337"/>
+            <a:off x="1828800" y="1981200"/>
+            <a:ext cx="8180832" cy="4351337"/>
           </a:xfrm>
           <a:prstGeom prst="rect">
             <a:avLst/>
@@ -9403,7 +8705,7 @@
           <a:p>
             <a:r>
               <a:rPr lang="pt-BR" sz="3600" b="1" dirty="0" smtClean="0"/>
-              <a:t>Interface Web</a:t>
+              <a:t>Comunicação com Alto falante</a:t>
             </a:r>
             <a:endParaRPr lang="pt-BR" sz="3600" b="1" dirty="0"/>
           </a:p>
@@ -9432,12 +8734,12 @@
           <a:lstStyle/>
           <a:p>
             <a:r>
-              <a:rPr lang="pt-BR" dirty="0" smtClean="0"/>
+              <a:rPr lang="pt-BR" smtClean="0"/>
               <a:t>Colocar </a:t>
             </a:r>
             <a:r>
-              <a:rPr lang="pt-BR" dirty="0" smtClean="0"/>
-              <a:t>vídeo</a:t>
+              <a:rPr lang="pt-BR" dirty="0" err="1" smtClean="0"/>
+              <a:t>video</a:t>
             </a:r>
             <a:endParaRPr lang="pt-BR" dirty="0"/>
           </a:p>
@@ -9446,7 +8748,7 @@
     </p:spTree>
     <p:extLst>
       <p:ext uri="{BB962C8B-B14F-4D97-AF65-F5344CB8AC3E}">
-        <p14:creationId xmlns:p14="http://schemas.microsoft.com/office/powerpoint/2010/main" val="978604930"/>
+        <p14:creationId xmlns:p14="http://schemas.microsoft.com/office/powerpoint/2010/main" val="2533336195"/>
       </p:ext>
     </p:extLst>
   </p:cSld>
@@ -9796,7 +9098,7 @@
           <a:p>
             <a:r>
               <a:rPr lang="pt-BR" sz="3600" b="1" dirty="0" smtClean="0"/>
-              <a:t>Aplicativo Local Móvel</a:t>
+              <a:t>Botões em Braile</a:t>
             </a:r>
             <a:endParaRPr lang="pt-BR" sz="3600" b="1" dirty="0"/>
           </a:p>
@@ -9811,7 +9113,7 @@
         <p:spPr>
           <a:xfrm>
             <a:off x="7218218" y="2826327"/>
-            <a:ext cx="2008909" cy="369332"/>
+            <a:ext cx="2008909" cy="646331"/>
           </a:xfrm>
           <a:prstGeom prst="rect">
             <a:avLst/>
@@ -9826,11 +9128,11 @@
           <a:p>
             <a:r>
               <a:rPr lang="pt-BR" dirty="0" smtClean="0"/>
-              <a:t>Colocar </a:t>
-            </a:r>
-            <a:r>
-              <a:rPr lang="pt-BR" dirty="0" smtClean="0"/>
-              <a:t>vídeo</a:t>
+              <a:t>Colocar vídeo/</a:t>
+            </a:r>
+            <a:r>
+              <a:rPr lang="pt-BR" dirty="0" err="1" smtClean="0"/>
+              <a:t>botao</a:t>
             </a:r>
             <a:endParaRPr lang="pt-BR" dirty="0"/>
           </a:p>
@@ -9839,7 +9141,7 @@
     </p:spTree>
     <p:extLst>
       <p:ext uri="{BB962C8B-B14F-4D97-AF65-F5344CB8AC3E}">
-        <p14:creationId xmlns:p14="http://schemas.microsoft.com/office/powerpoint/2010/main" val="1426057446"/>
+        <p14:creationId xmlns:p14="http://schemas.microsoft.com/office/powerpoint/2010/main" val="1251762218"/>
       </p:ext>
     </p:extLst>
   </p:cSld>
@@ -10315,6 +9617,88 @@
           </a:p>
         </p:txBody>
       </p:sp>
+      <p:sp>
+        <p:nvSpPr>
+          <p:cNvPr id="2" name="Retângulo 1"/>
+          <p:cNvSpPr/>
+          <p:nvPr/>
+        </p:nvSpPr>
+        <p:spPr>
+          <a:xfrm>
+            <a:off x="-104931" y="2344088"/>
+            <a:ext cx="10538085" cy="1420325"/>
+          </a:xfrm>
+          <a:prstGeom prst="rect">
+            <a:avLst/>
+          </a:prstGeom>
+        </p:spPr>
+        <p:txBody>
+          <a:bodyPr wrap="square">
+            <a:spAutoFit/>
+          </a:bodyPr>
+          <a:lstStyle/>
+          <a:p>
+            <a:pPr indent="450215" algn="r">
+              <a:lnSpc>
+                <a:spcPct val="150000"/>
+              </a:lnSpc>
+              <a:spcAft>
+                <a:spcPts val="0"/>
+              </a:spcAft>
+            </a:pPr>
+            <a:r>
+              <a:rPr lang="pt-BR" sz="2000" dirty="0">
+                <a:latin typeface="Arial" panose="020B0604020202020204" pitchFamily="34" charset="0"/>
+                <a:ea typeface="Calibri" panose="020F0502020204030204" pitchFamily="34" charset="0"/>
+                <a:cs typeface="Times New Roman" panose="02020603050405020304" pitchFamily="18" charset="0"/>
+              </a:rPr>
+              <a:t>“Para as pessoas sem deficiência, a tecnologia torna as coisas mais fáceis.</a:t>
+            </a:r>
+          </a:p>
+          <a:p>
+            <a:pPr indent="450215" algn="r">
+              <a:lnSpc>
+                <a:spcPct val="150000"/>
+              </a:lnSpc>
+              <a:spcAft>
+                <a:spcPts val="0"/>
+              </a:spcAft>
+            </a:pPr>
+            <a:r>
+              <a:rPr lang="pt-BR" sz="2000" dirty="0">
+                <a:latin typeface="Arial" panose="020B0604020202020204" pitchFamily="34" charset="0"/>
+                <a:ea typeface="Calibri" panose="020F0502020204030204" pitchFamily="34" charset="0"/>
+                <a:cs typeface="Times New Roman" panose="02020603050405020304" pitchFamily="18" charset="0"/>
+              </a:rPr>
+              <a:t>Para as pessoas com deficiência, a tecnologia torna as coisas possíveis”. </a:t>
+            </a:r>
+          </a:p>
+          <a:p>
+            <a:pPr indent="450215" algn="r">
+              <a:lnSpc>
+                <a:spcPct val="150000"/>
+              </a:lnSpc>
+              <a:spcAft>
+                <a:spcPts val="0"/>
+              </a:spcAft>
+            </a:pPr>
+            <a:r>
+              <a:rPr lang="pt-BR" sz="2000" dirty="0">
+                <a:latin typeface="Arial" panose="020B0604020202020204" pitchFamily="34" charset="0"/>
+                <a:ea typeface="Calibri" panose="020F0502020204030204" pitchFamily="34" charset="0"/>
+                <a:cs typeface="Times New Roman" panose="02020603050405020304" pitchFamily="18" charset="0"/>
+              </a:rPr>
+              <a:t>RADABAUGH</a:t>
+            </a:r>
+            <a:endParaRPr lang="pt-BR" sz="2000" dirty="0">
+              <a:effectLst/>
+              <a:latin typeface="Arial" panose="020B0604020202020204" pitchFamily="34" charset="0"/>
+              <a:ea typeface="Calibri" panose="020F0502020204030204" pitchFamily="34" charset="0"/>
+              <a:cs typeface="Times New Roman" panose="02020603050405020304" pitchFamily="18" charset="0"/>
+            </a:endParaRPr>
+          </a:p>
+        </p:txBody>
+      </p:sp>
     </p:spTree>
     <p:extLst>
       <p:ext uri="{BB962C8B-B14F-4D97-AF65-F5344CB8AC3E}">
@@ -11346,8 +10730,8 @@
         </p:nvSpPr>
         <p:spPr>
           <a:xfrm>
-            <a:off x="3200400" y="-27714"/>
-            <a:ext cx="9143999" cy="1094514"/>
+            <a:off x="3186546" y="-27714"/>
+            <a:ext cx="9157854" cy="1142139"/>
           </a:xfrm>
           <a:prstGeom prst="rect">
             <a:avLst/>
@@ -11395,8 +10779,8 @@
         </p:nvSpPr>
         <p:spPr>
           <a:xfrm>
-            <a:off x="1940744" y="1935571"/>
-            <a:ext cx="8595360" cy="4351337"/>
+            <a:off x="1745672" y="1981200"/>
+            <a:ext cx="8263959" cy="4351337"/>
           </a:xfrm>
           <a:prstGeom prst="rect">
             <a:avLst/>
@@ -11652,7 +11036,7 @@
           <a:p>
             <a:r>
               <a:rPr lang="pt-BR" sz="3600" b="1" dirty="0" smtClean="0"/>
-              <a:t>Comando de Voz</a:t>
+              <a:t>Interface Web</a:t>
             </a:r>
             <a:endParaRPr lang="pt-BR" sz="3600" b="1" dirty="0"/>
           </a:p>
@@ -11660,13 +11044,13 @@
       </p:sp>
       <p:sp>
         <p:nvSpPr>
-          <p:cNvPr id="7" name="CaixaDeTexto 6"/>
+          <p:cNvPr id="8" name="CaixaDeTexto 7"/>
           <p:cNvSpPr txBox="1"/>
           <p:nvPr/>
         </p:nvSpPr>
         <p:spPr>
           <a:xfrm>
-            <a:off x="7072469" y="2784763"/>
+            <a:off x="7218218" y="2826327"/>
             <a:ext cx="2008909" cy="369332"/>
           </a:xfrm>
           <a:prstGeom prst="rect">
@@ -11682,57 +11066,16 @@
           <a:p>
             <a:r>
               <a:rPr lang="pt-BR" dirty="0" smtClean="0"/>
-              <a:t>Colocar </a:t>
-            </a:r>
-            <a:r>
-              <a:rPr lang="pt-BR" dirty="0" err="1" smtClean="0"/>
-              <a:t>video</a:t>
+              <a:t>Colocar vídeo</a:t>
             </a:r>
             <a:endParaRPr lang="pt-BR" dirty="0"/>
           </a:p>
         </p:txBody>
       </p:sp>
-      <p:pic>
-        <p:nvPicPr>
-          <p:cNvPr id="8" name="Espaço Reservado para Conteúdo 7" descr="http://www.elechouse.com/elechouse/images/product/VR3/VR3-3.jpg"/>
-          <p:cNvPicPr>
-            <a:picLocks noGrp="1"/>
-          </p:cNvPicPr>
-          <p:nvPr>
-            <p:ph idx="1"/>
-          </p:nvPr>
-        </p:nvPicPr>
-        <p:blipFill>
-          <a:blip r:embed="rId2">
-            <a:extLst>
-              <a:ext uri="{28A0092B-C50C-407E-A947-70E740481C1C}">
-                <a14:useLocalDpi xmlns:a14="http://schemas.microsoft.com/office/drawing/2010/main" val="0"/>
-              </a:ext>
-            </a:extLst>
-          </a:blip>
-          <a:srcRect/>
-          <a:stretch>
-            <a:fillRect/>
-          </a:stretch>
-        </p:blipFill>
-        <p:spPr bwMode="auto">
-          <a:xfrm>
-            <a:off x="1648690" y="3667665"/>
-            <a:ext cx="6470073" cy="2289790"/>
-          </a:xfrm>
-          <a:prstGeom prst="rect">
-            <a:avLst/>
-          </a:prstGeom>
-          <a:noFill/>
-          <a:ln>
-            <a:noFill/>
-          </a:ln>
-        </p:spPr>
-      </p:pic>
     </p:spTree>
     <p:extLst>
       <p:ext uri="{BB962C8B-B14F-4D97-AF65-F5344CB8AC3E}">
-        <p14:creationId xmlns:p14="http://schemas.microsoft.com/office/powerpoint/2010/main" val="1296667260"/>
+        <p14:creationId xmlns:p14="http://schemas.microsoft.com/office/powerpoint/2010/main" val="978604930"/>
       </p:ext>
     </p:extLst>
   </p:cSld>

--- a/DOCUMENTOS/Apresentaçao TCC.pptx
+++ b/DOCUMENTOS/Apresentaçao TCC.pptx
@@ -2818,7 +2818,7 @@
           <a:p>
             <a:fld id="{CEF24A54-57D2-4178-9A07-50E0FCBC1728}" type="datetimeFigureOut">
               <a:rPr lang="pt-BR" smtClean="0"/>
-              <a:t>22/03/2017</a:t>
+              <a:t>23/03/2017</a:t>
             </a:fld>
             <a:endParaRPr lang="pt-BR"/>
           </a:p>
@@ -3857,7 +3857,7 @@
           <a:p>
             <a:fld id="{9E016143-E03C-4CFD-AFDC-14E5BDEA754C}" type="datetimeFigureOut">
               <a:rPr lang="en-US" dirty="0"/>
-              <a:t>3/22/2017</a:t>
+              <a:t>3/23/2017</a:t>
             </a:fld>
             <a:endParaRPr lang="en-US" dirty="0"/>
           </a:p>
@@ -4081,7 +4081,7 @@
           <a:p>
             <a:fld id="{C033E54A-A8CA-48C1-9504-691B58049D29}" type="datetimeFigureOut">
               <a:rPr lang="en-US" dirty="0"/>
-              <a:t>3/22/2017</a:t>
+              <a:t>3/23/2017</a:t>
             </a:fld>
             <a:endParaRPr lang="en-US" dirty="0"/>
           </a:p>
@@ -4256,7 +4256,7 @@
           <a:p>
             <a:fld id="{B5F6C806-BBF7-471C-9527-881CE2266695}" type="datetimeFigureOut">
               <a:rPr lang="en-US" dirty="0"/>
-              <a:t>3/22/2017</a:t>
+              <a:t>3/23/2017</a:t>
             </a:fld>
             <a:endParaRPr lang="en-US" dirty="0"/>
           </a:p>
@@ -4421,7 +4421,7 @@
           <a:p>
             <a:fld id="{78C94063-DF36-4330-A365-08DA1FA5B7D6}" type="datetimeFigureOut">
               <a:rPr lang="en-US" dirty="0"/>
-              <a:t>3/22/2017</a:t>
+              <a:t>3/23/2017</a:t>
             </a:fld>
             <a:endParaRPr lang="en-US" dirty="0"/>
           </a:p>
@@ -4670,7 +4670,7 @@
           <a:p>
             <a:fld id="{908A7C6C-0F39-4D70-8E8D-FE5B9C95FA73}" type="datetimeFigureOut">
               <a:rPr lang="en-US" dirty="0"/>
-              <a:t>3/22/2017</a:t>
+              <a:t>3/23/2017</a:t>
             </a:fld>
             <a:endParaRPr lang="en-US" dirty="0"/>
           </a:p>
@@ -4991,7 +4991,7 @@
           <a:p>
             <a:fld id="{DFCFA4AC-08CC-42CE-BD01-C191750A04EC}" type="datetimeFigureOut">
               <a:rPr lang="en-US" dirty="0"/>
-              <a:t>3/22/2017</a:t>
+              <a:t>3/23/2017</a:t>
             </a:fld>
             <a:endParaRPr lang="en-US" dirty="0"/>
           </a:p>
@@ -5437,7 +5437,7 @@
           <a:p>
             <a:fld id="{1BA7A723-92A7-435B-B681-F25B092FEFEB}" type="datetimeFigureOut">
               <a:rPr lang="en-US" dirty="0"/>
-              <a:t>3/22/2017</a:t>
+              <a:t>3/23/2017</a:t>
             </a:fld>
             <a:endParaRPr lang="en-US" dirty="0"/>
           </a:p>
@@ -5550,7 +5550,7 @@
           <a:p>
             <a:fld id="{4F170639-886C-4FCF-9EAB-ABB5DA3F3F4A}" type="datetimeFigureOut">
               <a:rPr lang="en-US" dirty="0"/>
-              <a:t>3/22/2017</a:t>
+              <a:t>3/23/2017</a:t>
             </a:fld>
             <a:endParaRPr lang="en-US" dirty="0"/>
           </a:p>
@@ -5640,7 +5640,7 @@
           <a:p>
             <a:fld id="{22230651-31F4-45D2-98AE-A2108F41BC07}" type="datetimeFigureOut">
               <a:rPr lang="en-US" dirty="0"/>
-              <a:t>3/22/2017</a:t>
+              <a:t>3/23/2017</a:t>
             </a:fld>
             <a:endParaRPr lang="en-US" dirty="0"/>
           </a:p>
@@ -5922,7 +5922,7 @@
           <a:p>
             <a:fld id="{6F53789A-C914-4DB1-8815-80B5EC7335C5}" type="datetimeFigureOut">
               <a:rPr lang="en-US" dirty="0"/>
-              <a:t>3/22/2017</a:t>
+              <a:t>3/23/2017</a:t>
             </a:fld>
             <a:endParaRPr lang="en-US" dirty="0"/>
           </a:p>
@@ -6242,7 +6242,7 @@
           <a:p>
             <a:fld id="{5E6440AA-91A0-436F-8FDB-C0F939DCAE21}" type="datetimeFigureOut">
               <a:rPr lang="en-US" dirty="0"/>
-              <a:t>3/22/2017</a:t>
+              <a:t>3/23/2017</a:t>
             </a:fld>
             <a:endParaRPr lang="en-US" dirty="0"/>
           </a:p>
@@ -6491,7 +6491,7 @@
           <a:p>
             <a:fld id="{0E59FD0C-5451-4CA0-86AF-E70AE3279989}" type="datetimeFigureOut">
               <a:rPr lang="en-US" dirty="0"/>
-              <a:t>3/22/2017</a:t>
+              <a:t>3/23/2017</a:t>
             </a:fld>
             <a:endParaRPr lang="en-US" dirty="0"/>
           </a:p>
@@ -7008,7 +7008,15 @@
             </a:br>
             <a:r>
               <a:rPr lang="pt-BR" sz="6000" dirty="0" smtClean="0"/>
-              <a:t>Automação de um Elevador Residencial destinado às Pessoas com deficiências e Idosos</a:t>
+              <a:t>Automação de um </a:t>
+            </a:r>
+            <a:r>
+              <a:rPr lang="pt-BR" sz="6000" smtClean="0"/>
+              <a:t>Protótipo de Elevador </a:t>
+            </a:r>
+            <a:r>
+              <a:rPr lang="pt-BR" sz="6000" dirty="0" smtClean="0"/>
+              <a:t>Residencial destinado às Pessoas com deficiências e Idosos</a:t>
             </a:r>
             <a:endParaRPr lang="pt-BR" sz="6000" dirty="0"/>
           </a:p>
